--- a/DFS/Bullet Hell Dungeon _Milestone_3.pptx
+++ b/DFS/Bullet Hell Dungeon _Milestone_3.pptx
@@ -6175,13 +6175,8 @@
             <a:pPr lvl="1"/>
             <a:r>
               <a:rPr lang="en-US" dirty="0"/>
-              <a:t>Polish is better </a:t>
-            </a:r>
-            <a:r>
-              <a:rPr lang="en-US"/>
-              <a:t>than features</a:t>
-            </a:r>
-            <a:endParaRPr lang="en-US" dirty="0"/>
+              <a:t>Polish is better than features</a:t>
+            </a:r>
           </a:p>
         </p:txBody>
       </p:sp>

--- a/DFS/Bullet Hell Dungeon _Milestone_3.pptx
+++ b/DFS/Bullet Hell Dungeon _Milestone_3.pptx
@@ -345,7 +345,7 @@
             <a:fld id="{B61BEF0D-F0BB-DE4B-95CE-6DB70DBA9567}" type="datetimeFigureOut">
               <a:rPr lang="en-US" dirty="0"/>
               <a:pPr/>
-              <a:t>7/12/2020</a:t>
+              <a:t>7/13/2020</a:t>
             </a:fld>
             <a:endParaRPr lang="en-US" dirty="0"/>
           </a:p>
@@ -676,7 +676,7 @@
             <a:fld id="{B61BEF0D-F0BB-DE4B-95CE-6DB70DBA9567}" type="datetimeFigureOut">
               <a:rPr lang="en-US" dirty="0"/>
               <a:pPr/>
-              <a:t>7/12/2020</a:t>
+              <a:t>7/13/2020</a:t>
             </a:fld>
             <a:endParaRPr lang="en-US" dirty="0"/>
           </a:p>
@@ -951,7 +951,7 @@
             <a:fld id="{B61BEF0D-F0BB-DE4B-95CE-6DB70DBA9567}" type="datetimeFigureOut">
               <a:rPr lang="en-US" dirty="0"/>
               <a:pPr/>
-              <a:t>7/12/2020</a:t>
+              <a:t>7/13/2020</a:t>
             </a:fld>
             <a:endParaRPr lang="en-US" dirty="0"/>
           </a:p>
@@ -1516,7 +1516,7 @@
             <a:fld id="{B61BEF0D-F0BB-DE4B-95CE-6DB70DBA9567}" type="datetimeFigureOut">
               <a:rPr lang="en-US" dirty="0"/>
               <a:pPr/>
-              <a:t>7/12/2020</a:t>
+              <a:t>7/13/2020</a:t>
             </a:fld>
             <a:endParaRPr lang="en-US" dirty="0"/>
           </a:p>
@@ -1791,7 +1791,7 @@
             <a:fld id="{B61BEF0D-F0BB-DE4B-95CE-6DB70DBA9567}" type="datetimeFigureOut">
               <a:rPr lang="en-US" dirty="0"/>
               <a:pPr/>
-              <a:t>7/12/2020</a:t>
+              <a:t>7/13/2020</a:t>
             </a:fld>
             <a:endParaRPr lang="en-US" dirty="0"/>
           </a:p>
@@ -2350,7 +2350,7 @@
             <a:fld id="{B61BEF0D-F0BB-DE4B-95CE-6DB70DBA9567}" type="datetimeFigureOut">
               <a:rPr lang="en-US" dirty="0"/>
               <a:pPr/>
-              <a:t>7/12/2020</a:t>
+              <a:t>7/13/2020</a:t>
             </a:fld>
             <a:endParaRPr lang="en-US" dirty="0"/>
           </a:p>
@@ -2674,7 +2674,7 @@
             <a:fld id="{B61BEF0D-F0BB-DE4B-95CE-6DB70DBA9567}" type="datetimeFigureOut">
               <a:rPr lang="en-US" dirty="0"/>
               <a:pPr/>
-              <a:t>7/12/2020</a:t>
+              <a:t>7/13/2020</a:t>
             </a:fld>
             <a:endParaRPr lang="en-US" dirty="0"/>
           </a:p>
@@ -2848,7 +2848,7 @@
             <a:fld id="{B61BEF0D-F0BB-DE4B-95CE-6DB70DBA9567}" type="datetimeFigureOut">
               <a:rPr lang="en-US" dirty="0"/>
               <a:pPr/>
-              <a:t>7/12/2020</a:t>
+              <a:t>7/13/2020</a:t>
             </a:fld>
             <a:endParaRPr lang="en-US" dirty="0"/>
           </a:p>
@@ -3083,7 +3083,7 @@
             <a:fld id="{B61BEF0D-F0BB-DE4B-95CE-6DB70DBA9567}" type="datetimeFigureOut">
               <a:rPr lang="en-US" dirty="0"/>
               <a:pPr/>
-              <a:t>7/12/2020</a:t>
+              <a:t>7/13/2020</a:t>
             </a:fld>
             <a:endParaRPr lang="en-US" dirty="0"/>
           </a:p>
@@ -3280,7 +3280,7 @@
             <a:fld id="{B61BEF0D-F0BB-DE4B-95CE-6DB70DBA9567}" type="datetimeFigureOut">
               <a:rPr lang="en-US" dirty="0"/>
               <a:pPr/>
-              <a:t>7/12/2020</a:t>
+              <a:t>7/13/2020</a:t>
             </a:fld>
             <a:endParaRPr lang="en-US" dirty="0"/>
           </a:p>
@@ -3553,7 +3553,7 @@
             <a:fld id="{B61BEF0D-F0BB-DE4B-95CE-6DB70DBA9567}" type="datetimeFigureOut">
               <a:rPr lang="en-US" dirty="0"/>
               <a:pPr/>
-              <a:t>7/12/2020</a:t>
+              <a:t>7/13/2020</a:t>
             </a:fld>
             <a:endParaRPr lang="en-US" dirty="0"/>
           </a:p>
@@ -3816,7 +3816,7 @@
             <a:fld id="{B61BEF0D-F0BB-DE4B-95CE-6DB70DBA9567}" type="datetimeFigureOut">
               <a:rPr lang="en-US" dirty="0"/>
               <a:pPr/>
-              <a:t>7/12/2020</a:t>
+              <a:t>7/13/2020</a:t>
             </a:fld>
             <a:endParaRPr lang="en-US" dirty="0"/>
           </a:p>
@@ -4187,7 +4187,7 @@
             <a:fld id="{B61BEF0D-F0BB-DE4B-95CE-6DB70DBA9567}" type="datetimeFigureOut">
               <a:rPr lang="en-US" dirty="0"/>
               <a:pPr/>
-              <a:t>7/12/2020</a:t>
+              <a:t>7/13/2020</a:t>
             </a:fld>
             <a:endParaRPr lang="en-US" dirty="0"/>
           </a:p>
@@ -4332,7 +4332,7 @@
             <a:fld id="{B61BEF0D-F0BB-DE4B-95CE-6DB70DBA9567}" type="datetimeFigureOut">
               <a:rPr lang="en-US" dirty="0"/>
               <a:pPr/>
-              <a:t>7/12/2020</a:t>
+              <a:t>7/13/2020</a:t>
             </a:fld>
             <a:endParaRPr lang="en-US" dirty="0"/>
           </a:p>
@@ -4454,7 +4454,7 @@
             <a:fld id="{B61BEF0D-F0BB-DE4B-95CE-6DB70DBA9567}" type="datetimeFigureOut">
               <a:rPr lang="en-US" dirty="0"/>
               <a:pPr/>
-              <a:t>7/12/2020</a:t>
+              <a:t>7/13/2020</a:t>
             </a:fld>
             <a:endParaRPr lang="en-US" dirty="0"/>
           </a:p>
@@ -4736,7 +4736,7 @@
             <a:fld id="{B61BEF0D-F0BB-DE4B-95CE-6DB70DBA9567}" type="datetimeFigureOut">
               <a:rPr lang="en-US" dirty="0"/>
               <a:pPr/>
-              <a:t>7/12/2020</a:t>
+              <a:t>7/13/2020</a:t>
             </a:fld>
             <a:endParaRPr lang="en-US" dirty="0"/>
           </a:p>
@@ -5057,7 +5057,7 @@
             <a:fld id="{B61BEF0D-F0BB-DE4B-95CE-6DB70DBA9567}" type="datetimeFigureOut">
               <a:rPr lang="en-US" dirty="0"/>
               <a:pPr/>
-              <a:t>7/12/2020</a:t>
+              <a:t>7/13/2020</a:t>
             </a:fld>
             <a:endParaRPr lang="en-US" dirty="0"/>
           </a:p>
@@ -5268,7 +5268,7 @@
             <a:fld id="{B61BEF0D-F0BB-DE4B-95CE-6DB70DBA9567}" type="datetimeFigureOut">
               <a:rPr lang="en-US" dirty="0"/>
               <a:pPr/>
-              <a:t>7/12/2020</a:t>
+              <a:t>7/13/2020</a:t>
             </a:fld>
             <a:endParaRPr lang="en-US" dirty="0"/>
           </a:p>
@@ -6020,7 +6020,7 @@
             <a:pPr lvl="1"/>
             <a:r>
               <a:rPr lang="en-US" dirty="0"/>
-              <a:t>Implemented Audio</a:t>
+              <a:t>Implemented Audio (except flamethrower and laser gun)</a:t>
             </a:r>
           </a:p>
         </p:txBody>
@@ -6273,7 +6273,7 @@
           <a:p>
             <a:r>
               <a:rPr lang="en-US" dirty="0"/>
-              <a:t>Implement weapon VFX</a:t>
+              <a:t>Implement weapon VFX and final SFX (laser gun and flamethrower)</a:t>
             </a:r>
           </a:p>
           <a:p>

--- a/DFS/Bullet Hell Dungeon _Milestone_3.pptx
+++ b/DFS/Bullet Hell Dungeon _Milestone_3.pptx
@@ -6305,6 +6305,14 @@
           </a:p>
           <a:p>
             <a:pPr lvl="1"/>
+            <a:r>
+              <a:rPr lang="en-US" dirty="0"/>
+              <a:t>Credit: Art assets by </a:t>
+            </a:r>
+            <a:r>
+              <a:rPr lang="en-US" dirty="0" err="1"/>
+              <a:t>DhiMaximus</a:t>
+            </a:r>
             <a:endParaRPr lang="en-US" dirty="0"/>
           </a:p>
         </p:txBody>
